--- a/Lectures/Lecture 5 - Genome Assembly.pptx
+++ b/Lectures/Lecture 5 - Genome Assembly.pptx
@@ -6742,7 +6742,7 @@
           <a:noFill/>
           <a:extLst>
             <a:ext uri="{909E8E84-426E-40dd-AFC4-6F175D3DCCD1}">
-              <a14:hiddenFill xmlns:a14="http://schemas.microsoft.com/office/drawing/2010/main" xmlns="">
+              <a14:hiddenFill xmlns="" xmlns:a14="http://schemas.microsoft.com/office/drawing/2010/main">
                 <a:solidFill>
                   <a:srgbClr val="FFFFFF"/>
                 </a:solidFill>
@@ -13320,10 +13320,10 @@
       </p:sp>
       <p:pic>
         <p:nvPicPr>
-          <p:cNvPr id="4" name="Picture 3">
+          <p:cNvPr id="3" name="Picture 2">
             <a:extLst>
               <a:ext uri="{FF2B5EF4-FFF2-40B4-BE49-F238E27FC236}">
-                <a16:creationId xmlns:a16="http://schemas.microsoft.com/office/drawing/2014/main" id="{06EEEC15-E085-4A49-87B8-C603D3CD5D67}"/>
+                <a16:creationId xmlns:a16="http://schemas.microsoft.com/office/drawing/2014/main" id="{842D6AC4-5350-4041-890D-09262ED60DC0}"/>
               </a:ext>
             </a:extLst>
           </p:cNvPr>
@@ -13340,14 +13340,102 @@
         </p:blipFill>
         <p:spPr>
           <a:xfrm>
-            <a:off x="188640" y="1484784"/>
-            <a:ext cx="8766720" cy="2951758"/>
+            <a:off x="251520" y="944802"/>
+            <a:ext cx="6300192" cy="2916246"/>
           </a:xfrm>
           <a:prstGeom prst="rect">
             <a:avLst/>
           </a:prstGeom>
         </p:spPr>
       </p:pic>
+      <p:pic>
+        <p:nvPicPr>
+          <p:cNvPr id="6" name="Picture 5">
+            <a:extLst>
+              <a:ext uri="{FF2B5EF4-FFF2-40B4-BE49-F238E27FC236}">
+                <a16:creationId xmlns:a16="http://schemas.microsoft.com/office/drawing/2014/main" id="{4F6D08CC-D8BB-8949-B6F5-48A9AA76C222}"/>
+              </a:ext>
+            </a:extLst>
+          </p:cNvPr>
+          <p:cNvPicPr>
+            <a:picLocks noChangeAspect="1"/>
+          </p:cNvPicPr>
+          <p:nvPr/>
+        </p:nvPicPr>
+        <p:blipFill>
+          <a:blip r:embed="rId4"/>
+          <a:stretch>
+            <a:fillRect/>
+          </a:stretch>
+        </p:blipFill>
+        <p:spPr>
+          <a:xfrm>
+            <a:off x="2627784" y="4293096"/>
+            <a:ext cx="6372200" cy="2476532"/>
+          </a:xfrm>
+          <a:prstGeom prst="rect">
+            <a:avLst/>
+          </a:prstGeom>
+        </p:spPr>
+      </p:pic>
+      <p:sp>
+        <p:nvSpPr>
+          <p:cNvPr id="8" name="TextBox 7">
+            <a:extLst>
+              <a:ext uri="{FF2B5EF4-FFF2-40B4-BE49-F238E27FC236}">
+                <a16:creationId xmlns:a16="http://schemas.microsoft.com/office/drawing/2014/main" id="{3A6BB55B-F1A5-634C-99FA-D59491997EE4}"/>
+              </a:ext>
+            </a:extLst>
+          </p:cNvPr>
+          <p:cNvSpPr txBox="1"/>
+          <p:nvPr/>
+        </p:nvSpPr>
+        <p:spPr>
+          <a:xfrm>
+            <a:off x="1835696" y="3923183"/>
+            <a:ext cx="4392488" cy="307777"/>
+          </a:xfrm>
+          <a:prstGeom prst="rect">
+            <a:avLst/>
+          </a:prstGeom>
+          <a:noFill/>
+          <a:ln>
+            <a:noFill/>
+          </a:ln>
+        </p:spPr>
+        <p:txBody>
+          <a:bodyPr wrap="square" rtlCol="0">
+            <a:spAutoFit/>
+          </a:bodyPr>
+          <a:lstStyle/>
+          <a:p>
+            <a:r>
+              <a:rPr lang="en-US" sz="1400" i="1" dirty="0">
+                <a:solidFill>
+                  <a:srgbClr val="FFC000"/>
+                </a:solidFill>
+              </a:rPr>
+              <a:t>&lt;Mid-Term Recess + No Monday Lecture October 21</a:t>
+            </a:r>
+            <a:r>
+              <a:rPr lang="en-US" sz="1400" i="1" baseline="30000" dirty="0">
+                <a:solidFill>
+                  <a:srgbClr val="FFC000"/>
+                </a:solidFill>
+              </a:rPr>
+              <a:t>st</a:t>
+            </a:r>
+            <a:r>
+              <a:rPr lang="en-US" sz="1400" i="1" dirty="0">
+                <a:solidFill>
+                  <a:srgbClr val="FFC000"/>
+                </a:solidFill>
+              </a:rPr>
+              <a:t>&gt;</a:t>
+            </a:r>
+          </a:p>
+        </p:txBody>
+      </p:sp>
     </p:spTree>
     <p:extLst>
       <p:ext uri="{BB962C8B-B14F-4D97-AF65-F5344CB8AC3E}">
@@ -14147,7 +14235,7 @@
           <a:noFill/>
           <a:extLst>
             <a:ext uri="{909E8E84-426E-40dd-AFC4-6F175D3DCCD1}">
-              <a14:hiddenFill xmlns:a14="http://schemas.microsoft.com/office/drawing/2010/main" xmlns="">
+              <a14:hiddenFill xmlns="" xmlns:a14="http://schemas.microsoft.com/office/drawing/2010/main">
                 <a:solidFill>
                   <a:srgbClr val="FFFFFF"/>
                 </a:solidFill>
@@ -14405,7 +14493,7 @@
           <a:noFill/>
           <a:extLst>
             <a:ext uri="{909E8E84-426E-40dd-AFC4-6F175D3DCCD1}">
-              <a14:hiddenFill xmlns:a14="http://schemas.microsoft.com/office/drawing/2010/main" xmlns="">
+              <a14:hiddenFill xmlns="" xmlns:a14="http://schemas.microsoft.com/office/drawing/2010/main">
                 <a:solidFill>
                   <a:srgbClr val="FFFFFF"/>
                 </a:solidFill>

--- a/Lectures/Lecture 5 - Genome Assembly.pptx
+++ b/Lectures/Lecture 5 - Genome Assembly.pptx
@@ -6807,7 +6807,7 @@
             </a:pPr>
             <a:r>
               <a:rPr lang="en-US" sz="2000" dirty="0"/>
-              <a:t>This combination is very effective for accurate genome assembly, except when both reads are in repeat regions</a:t>
+              <a:t>This combination is very effective for accurate genome assembly, except when both reads are in repeat regions:</a:t>
             </a:r>
           </a:p>
           <a:p>
@@ -7849,8 +7849,8 @@
         </p:nvSpPr>
         <p:spPr>
           <a:xfrm>
-            <a:off x="107504" y="1609636"/>
-            <a:ext cx="1512168" cy="523220"/>
+            <a:off x="85314" y="1549460"/>
+            <a:ext cx="1512168" cy="1384995"/>
           </a:xfrm>
           <a:prstGeom prst="rect">
             <a:avLst/>
@@ -7868,7 +7868,7 @@
           <a:p>
             <a:r>
               <a:rPr lang="en-US" sz="1400" dirty="0"/>
-              <a:t>PHRED trimming, error correction</a:t>
+              <a:t>PHRED trimming, error correction – only use high quality data in genomic pipelines!</a:t>
             </a:r>
           </a:p>
         </p:txBody>
@@ -11596,6 +11596,38 @@
               <a:rPr lang="en-US" sz="1400" dirty="0"/>
               <a:t>/zwng5cb</a:t>
             </a:r>
+          </a:p>
+        </p:txBody>
+      </p:sp>
+      <p:sp>
+        <p:nvSpPr>
+          <p:cNvPr id="2" name="TextBox 1">
+            <a:extLst>
+              <a:ext uri="{FF2B5EF4-FFF2-40B4-BE49-F238E27FC236}">
+                <a16:creationId xmlns:a16="http://schemas.microsoft.com/office/drawing/2014/main" id="{E0E35CB0-2763-0848-96A1-3B078110DCEE}"/>
+              </a:ext>
+            </a:extLst>
+          </p:cNvPr>
+          <p:cNvSpPr txBox="1"/>
+          <p:nvPr/>
+        </p:nvSpPr>
+        <p:spPr>
+          <a:xfrm>
+            <a:off x="10310648" y="5255172"/>
+            <a:ext cx="184731" cy="461665"/>
+          </a:xfrm>
+          <a:prstGeom prst="rect">
+            <a:avLst/>
+          </a:prstGeom>
+          <a:noFill/>
+        </p:spPr>
+        <p:txBody>
+          <a:bodyPr wrap="none" rtlCol="0">
+            <a:spAutoFit/>
+          </a:bodyPr>
+          <a:lstStyle/>
+          <a:p>
+            <a:endParaRPr lang="en-US" dirty="0"/>
           </a:p>
         </p:txBody>
       </p:sp>
